--- a/resources/xdi2-connector-facebook.pptx
+++ b/resources/xdi2-connector-facebook.pptx
@@ -196,7 +196,7 @@
             <a:fld id="{B1ACB323-EB0D-6F46-BE28-3F6B6C6249FA}" type="datetimeFigureOut">
               <a:rPr lang="en-US" smtClean="0"/>
               <a:pPr/>
-              <a:t>8/25/2012</a:t>
+              <a:t>9/1/2012</a:t>
             </a:fld>
             <a:endParaRPr lang="en-US"/>
           </a:p>
@@ -364,7 +364,7 @@
             <a:fld id="{659687F0-3512-864A-899D-C30E93E665FC}" type="datetimeFigureOut">
               <a:rPr lang="en-US" smtClean="0"/>
               <a:pPr/>
-              <a:t>8/25/2012</a:t>
+              <a:t>9/1/2012</a:t>
             </a:fld>
             <a:endParaRPr lang="en-US"/>
           </a:p>
@@ -636,6 +636,91 @@
 </p:notesMaster>
 </file>
 
+<file path=ppt/notesSlides/notesSlide1.xml><?xml version="1.0" encoding="utf-8"?>
+<p:notes xmlns:a="http://schemas.openxmlformats.org/drawingml/2006/main" xmlns:r="http://schemas.openxmlformats.org/officeDocument/2006/relationships" xmlns:p="http://schemas.openxmlformats.org/presentationml/2006/main">
+  <p:cSld>
+    <p:spTree>
+      <p:nvGrpSpPr>
+        <p:cNvPr id="1" name=""/>
+        <p:cNvGrpSpPr/>
+        <p:nvPr/>
+      </p:nvGrpSpPr>
+      <p:grpSpPr>
+        <a:xfrm>
+          <a:off x="0" y="0"/>
+          <a:ext cx="0" cy="0"/>
+          <a:chOff x="0" y="0"/>
+          <a:chExt cx="0" cy="0"/>
+        </a:xfrm>
+      </p:grpSpPr>
+      <p:sp>
+        <p:nvSpPr>
+          <p:cNvPr id="2" name="Slide Image Placeholder 1"/>
+          <p:cNvSpPr>
+            <a:spLocks noGrp="1" noRot="1" noChangeAspect="1"/>
+          </p:cNvSpPr>
+          <p:nvPr>
+            <p:ph type="sldImg"/>
+          </p:nvPr>
+        </p:nvSpPr>
+        <p:spPr/>
+      </p:sp>
+      <p:sp>
+        <p:nvSpPr>
+          <p:cNvPr id="3" name="Notes Placeholder 2"/>
+          <p:cNvSpPr>
+            <a:spLocks noGrp="1"/>
+          </p:cNvSpPr>
+          <p:nvPr>
+            <p:ph type="body" idx="1"/>
+          </p:nvPr>
+        </p:nvSpPr>
+        <p:spPr/>
+        <p:txBody>
+          <a:bodyPr/>
+          <a:lstStyle/>
+          <a:p>
+            <a:endParaRPr lang="en-US" dirty="0"/>
+          </a:p>
+        </p:txBody>
+      </p:sp>
+      <p:sp>
+        <p:nvSpPr>
+          <p:cNvPr id="4" name="Slide Number Placeholder 3"/>
+          <p:cNvSpPr>
+            <a:spLocks noGrp="1"/>
+          </p:cNvSpPr>
+          <p:nvPr>
+            <p:ph type="sldNum" sz="quarter" idx="10"/>
+          </p:nvPr>
+        </p:nvSpPr>
+        <p:spPr/>
+        <p:txBody>
+          <a:bodyPr/>
+          <a:lstStyle/>
+          <a:p>
+            <a:fld id="{B2694366-E089-8442-9957-240AD5B23B5A}" type="slidenum">
+              <a:rPr lang="en-US" smtClean="0"/>
+              <a:pPr/>
+              <a:t>1</a:t>
+            </a:fld>
+            <a:endParaRPr lang="en-US"/>
+          </a:p>
+        </p:txBody>
+      </p:sp>
+    </p:spTree>
+    <p:extLst>
+      <p:ext uri="{BB962C8B-B14F-4D97-AF65-F5344CB8AC3E}">
+        <p14:creationId xmlns:p14="http://schemas.microsoft.com/office/powerpoint/2010/main" val="4212891913"/>
+      </p:ext>
+    </p:extLst>
+  </p:cSld>
+  <p:clrMapOvr>
+    <a:masterClrMapping/>
+  </p:clrMapOvr>
+</p:notes>
+</file>
+
 <file path=ppt/slideLayouts/slideLayout1.xml><?xml version="1.0" encoding="utf-8"?>
 <p:sldLayout xmlns:a="http://schemas.openxmlformats.org/drawingml/2006/main" xmlns:r="http://schemas.openxmlformats.org/officeDocument/2006/relationships" xmlns:p="http://schemas.openxmlformats.org/presentationml/2006/main" type="title" preserve="1">
   <p:cSld name="Title Slide">
@@ -818,7 +903,7 @@
             <a:fld id="{CC19B390-26DE-EC42-9536-DB4D5D42F353}" type="datetime1">
               <a:rPr lang="en-US" smtClean="0"/>
               <a:pPr/>
-              <a:t>8/25/2012</a:t>
+              <a:t>9/1/2012</a:t>
             </a:fld>
             <a:endParaRPr lang="en-US"/>
           </a:p>
@@ -985,7 +1070,7 @@
             <a:fld id="{F87380A3-F082-184B-B91D-D15A611F50C5}" type="datetime1">
               <a:rPr lang="en-US" smtClean="0"/>
               <a:pPr/>
-              <a:t>8/25/2012</a:t>
+              <a:t>9/1/2012</a:t>
             </a:fld>
             <a:endParaRPr lang="en-US"/>
           </a:p>
@@ -1162,7 +1247,7 @@
             <a:fld id="{59758453-BBA4-CE44-A510-94BAAAA8F10B}" type="datetime1">
               <a:rPr lang="en-US" smtClean="0"/>
               <a:pPr/>
-              <a:t>8/25/2012</a:t>
+              <a:t>9/1/2012</a:t>
             </a:fld>
             <a:endParaRPr lang="en-US"/>
           </a:p>
@@ -1329,7 +1414,7 @@
             <a:fld id="{4DB4D5F1-4E70-634B-AFDD-C92141017ACE}" type="datetime1">
               <a:rPr lang="en-US" smtClean="0"/>
               <a:pPr/>
-              <a:t>8/25/2012</a:t>
+              <a:t>9/1/2012</a:t>
             </a:fld>
             <a:endParaRPr lang="en-US"/>
           </a:p>
@@ -1572,7 +1657,7 @@
             <a:fld id="{83642C8F-6EF3-6C40-A110-6652134D9B54}" type="datetime1">
               <a:rPr lang="en-US" smtClean="0"/>
               <a:pPr/>
-              <a:t>8/25/2012</a:t>
+              <a:t>9/1/2012</a:t>
             </a:fld>
             <a:endParaRPr lang="en-US"/>
           </a:p>
@@ -1857,7 +1942,7 @@
             <a:fld id="{D79BD240-69C9-8941-987E-F054C3F70DC0}" type="datetime1">
               <a:rPr lang="en-US" smtClean="0"/>
               <a:pPr/>
-              <a:t>8/25/2012</a:t>
+              <a:t>9/1/2012</a:t>
             </a:fld>
             <a:endParaRPr lang="en-US"/>
           </a:p>
@@ -2281,7 +2366,7 @@
             <a:fld id="{8D48398B-5EC2-A54F-9B77-ECC2014EA132}" type="datetime1">
               <a:rPr lang="en-US" smtClean="0"/>
               <a:pPr/>
-              <a:t>8/25/2012</a:t>
+              <a:t>9/1/2012</a:t>
             </a:fld>
             <a:endParaRPr lang="en-US"/>
           </a:p>
@@ -2396,7 +2481,7 @@
             <a:fld id="{C5779240-87A5-4E47-9DCF-A877F1ADEE48}" type="datetime1">
               <a:rPr lang="en-US" smtClean="0"/>
               <a:pPr/>
-              <a:t>8/25/2012</a:t>
+              <a:t>9/1/2012</a:t>
             </a:fld>
             <a:endParaRPr lang="en-US"/>
           </a:p>
@@ -2488,7 +2573,7 @@
             <a:fld id="{F8899BAC-432A-014B-A7BE-81B8A7662BA7}" type="datetime1">
               <a:rPr lang="en-US" smtClean="0"/>
               <a:pPr/>
-              <a:t>8/25/2012</a:t>
+              <a:t>9/1/2012</a:t>
             </a:fld>
             <a:endParaRPr lang="en-US"/>
           </a:p>
@@ -2762,7 +2847,7 @@
             <a:fld id="{73F8D0E9-002B-CD49-B2EA-EA3BEB4C8953}" type="datetime1">
               <a:rPr lang="en-US" smtClean="0"/>
               <a:pPr/>
-              <a:t>8/25/2012</a:t>
+              <a:t>9/1/2012</a:t>
             </a:fld>
             <a:endParaRPr lang="en-US"/>
           </a:p>
@@ -3012,7 +3097,7 @@
             <a:fld id="{9A4C8C76-0E14-CF4C-BA20-2D8AACF85795}" type="datetime1">
               <a:rPr lang="en-US" smtClean="0"/>
               <a:pPr/>
-              <a:t>8/25/2012</a:t>
+              <a:t>9/1/2012</a:t>
             </a:fld>
             <a:endParaRPr lang="en-US"/>
           </a:p>
@@ -3222,7 +3307,7 @@
             <a:fld id="{56489049-FEDB-2345-9323-8517DEF5E780}" type="datetime1">
               <a:rPr lang="en-US" smtClean="0"/>
               <a:pPr/>
-              <a:t>8/25/2012</a:t>
+              <a:t>9/1/2012</a:t>
             </a:fld>
             <a:endParaRPr lang="en-US"/>
           </a:p>
@@ -5977,8 +6062,8 @@
         </p:nvSpPr>
         <p:spPr>
           <a:xfrm>
-            <a:off x="2949181" y="3881650"/>
-            <a:ext cx="707245" cy="307777"/>
+            <a:off x="2848994" y="3881650"/>
+            <a:ext cx="907621" cy="307777"/>
           </a:xfrm>
           <a:prstGeom prst="rect">
             <a:avLst/>
@@ -5994,11 +6079,15 @@
             <a:pPr algn="ctr"/>
             <a:r>
               <a:rPr lang="en-US" sz="1400" dirty="0" smtClean="0"/>
-              <a:t>$</a:t>
+              <a:t>$($</a:t>
             </a:r>
             <a:r>
               <a:rPr lang="en-US" sz="1400" dirty="0" err="1" smtClean="0"/>
               <a:t>oauth</a:t>
+            </a:r>
+            <a:r>
+              <a:rPr lang="en-US" sz="1400" dirty="0" smtClean="0"/>
+              <a:t>)</a:t>
             </a:r>
             <a:endParaRPr lang="en-US" sz="1400" dirty="0"/>
           </a:p>

--- a/resources/xdi2-connector-facebook.pptx
+++ b/resources/xdi2-connector-facebook.pptx
@@ -196,7 +196,7 @@
             <a:fld id="{B1ACB323-EB0D-6F46-BE28-3F6B6C6249FA}" type="datetimeFigureOut">
               <a:rPr lang="en-US" smtClean="0"/>
               <a:pPr/>
-              <a:t>9/1/2012</a:t>
+              <a:t>10/11/2012</a:t>
             </a:fld>
             <a:endParaRPr lang="en-US"/>
           </a:p>
@@ -364,7 +364,7 @@
             <a:fld id="{659687F0-3512-864A-899D-C30E93E665FC}" type="datetimeFigureOut">
               <a:rPr lang="en-US" smtClean="0"/>
               <a:pPr/>
-              <a:t>9/1/2012</a:t>
+              <a:t>10/11/2012</a:t>
             </a:fld>
             <a:endParaRPr lang="en-US"/>
           </a:p>
@@ -903,7 +903,7 @@
             <a:fld id="{CC19B390-26DE-EC42-9536-DB4D5D42F353}" type="datetime1">
               <a:rPr lang="en-US" smtClean="0"/>
               <a:pPr/>
-              <a:t>9/1/2012</a:t>
+              <a:t>10/11/2012</a:t>
             </a:fld>
             <a:endParaRPr lang="en-US"/>
           </a:p>
@@ -1070,7 +1070,7 @@
             <a:fld id="{F87380A3-F082-184B-B91D-D15A611F50C5}" type="datetime1">
               <a:rPr lang="en-US" smtClean="0"/>
               <a:pPr/>
-              <a:t>9/1/2012</a:t>
+              <a:t>10/11/2012</a:t>
             </a:fld>
             <a:endParaRPr lang="en-US"/>
           </a:p>
@@ -1247,7 +1247,7 @@
             <a:fld id="{59758453-BBA4-CE44-A510-94BAAAA8F10B}" type="datetime1">
               <a:rPr lang="en-US" smtClean="0"/>
               <a:pPr/>
-              <a:t>9/1/2012</a:t>
+              <a:t>10/11/2012</a:t>
             </a:fld>
             <a:endParaRPr lang="en-US"/>
           </a:p>
@@ -1414,7 +1414,7 @@
             <a:fld id="{4DB4D5F1-4E70-634B-AFDD-C92141017ACE}" type="datetime1">
               <a:rPr lang="en-US" smtClean="0"/>
               <a:pPr/>
-              <a:t>9/1/2012</a:t>
+              <a:t>10/11/2012</a:t>
             </a:fld>
             <a:endParaRPr lang="en-US"/>
           </a:p>
@@ -1657,7 +1657,7 @@
             <a:fld id="{83642C8F-6EF3-6C40-A110-6652134D9B54}" type="datetime1">
               <a:rPr lang="en-US" smtClean="0"/>
               <a:pPr/>
-              <a:t>9/1/2012</a:t>
+              <a:t>10/11/2012</a:t>
             </a:fld>
             <a:endParaRPr lang="en-US"/>
           </a:p>
@@ -1942,7 +1942,7 @@
             <a:fld id="{D79BD240-69C9-8941-987E-F054C3F70DC0}" type="datetime1">
               <a:rPr lang="en-US" smtClean="0"/>
               <a:pPr/>
-              <a:t>9/1/2012</a:t>
+              <a:t>10/11/2012</a:t>
             </a:fld>
             <a:endParaRPr lang="en-US"/>
           </a:p>
@@ -2366,7 +2366,7 @@
             <a:fld id="{8D48398B-5EC2-A54F-9B77-ECC2014EA132}" type="datetime1">
               <a:rPr lang="en-US" smtClean="0"/>
               <a:pPr/>
-              <a:t>9/1/2012</a:t>
+              <a:t>10/11/2012</a:t>
             </a:fld>
             <a:endParaRPr lang="en-US"/>
           </a:p>
@@ -2481,7 +2481,7 @@
             <a:fld id="{C5779240-87A5-4E47-9DCF-A877F1ADEE48}" type="datetime1">
               <a:rPr lang="en-US" smtClean="0"/>
               <a:pPr/>
-              <a:t>9/1/2012</a:t>
+              <a:t>10/11/2012</a:t>
             </a:fld>
             <a:endParaRPr lang="en-US"/>
           </a:p>
@@ -2573,7 +2573,7 @@
             <a:fld id="{F8899BAC-432A-014B-A7BE-81B8A7662BA7}" type="datetime1">
               <a:rPr lang="en-US" smtClean="0"/>
               <a:pPr/>
-              <a:t>9/1/2012</a:t>
+              <a:t>10/11/2012</a:t>
             </a:fld>
             <a:endParaRPr lang="en-US"/>
           </a:p>
@@ -2847,7 +2847,7 @@
             <a:fld id="{73F8D0E9-002B-CD49-B2EA-EA3BEB4C8953}" type="datetime1">
               <a:rPr lang="en-US" smtClean="0"/>
               <a:pPr/>
-              <a:t>9/1/2012</a:t>
+              <a:t>10/11/2012</a:t>
             </a:fld>
             <a:endParaRPr lang="en-US"/>
           </a:p>
@@ -3097,7 +3097,7 @@
             <a:fld id="{9A4C8C76-0E14-CF4C-BA20-2D8AACF85795}" type="datetime1">
               <a:rPr lang="en-US" smtClean="0"/>
               <a:pPr/>
-              <a:t>9/1/2012</a:t>
+              <a:t>10/11/2012</a:t>
             </a:fld>
             <a:endParaRPr lang="en-US"/>
           </a:p>
@@ -3307,7 +3307,7 @@
             <a:fld id="{56489049-FEDB-2345-9323-8517DEF5E780}" type="datetime1">
               <a:rPr lang="en-US" smtClean="0"/>
               <a:pPr/>
-              <a:t>9/1/2012</a:t>
+              <a:t>10/11/2012</a:t>
             </a:fld>
             <a:endParaRPr lang="en-US"/>
           </a:p>
@@ -4941,8 +4941,8 @@
         </p:nvSpPr>
         <p:spPr>
           <a:xfrm>
-            <a:off x="754854" y="2403798"/>
-            <a:ext cx="1880130" cy="307777"/>
+            <a:off x="675505" y="2403798"/>
+            <a:ext cx="2038828" cy="307777"/>
           </a:xfrm>
           <a:prstGeom prst="rect">
             <a:avLst/>
@@ -4958,7 +4958,7 @@
             <a:pPr algn="ctr"/>
             <a:r>
               <a:rPr lang="en-US" sz="1400" dirty="0" smtClean="0"/>
-              <a:t>(https://facebook.com)</a:t>
+              <a:t>+(https://facebook.com/)</a:t>
             </a:r>
             <a:endParaRPr lang="en-US" sz="1400" dirty="0"/>
           </a:p>
@@ -5708,7 +5708,7 @@
         </p:nvSpPr>
         <p:spPr>
           <a:xfrm>
-            <a:off x="3450751" y="5211386"/>
+            <a:off x="4069661" y="5764358"/>
             <a:ext cx="183071" cy="183071"/>
           </a:xfrm>
           <a:prstGeom prst="ellipse">
@@ -5754,8 +5754,8 @@
         </p:nvSpPr>
         <p:spPr>
           <a:xfrm>
-            <a:off x="2802624" y="4700074"/>
-            <a:ext cx="1231171" cy="307777"/>
+            <a:off x="3551132" y="5297030"/>
+            <a:ext cx="1429943" cy="307777"/>
           </a:xfrm>
           <a:prstGeom prst="rect">
             <a:avLst/>
@@ -5771,7 +5771,7 @@
             <a:pPr algn="ctr"/>
             <a:r>
               <a:rPr lang="en-US" sz="1400" dirty="0" smtClean="0"/>
-              <a:t>$!(</a:t>
+              <a:t>$!(+(</a:t>
             </a:r>
             <a:r>
               <a:rPr lang="en-US" sz="1400" dirty="0" err="1" smtClean="0"/>
@@ -5779,7 +5779,7 @@
             </a:r>
             <a:r>
               <a:rPr lang="en-US" sz="1400" dirty="0" smtClean="0"/>
-              <a:t>)</a:t>
+              <a:t>))</a:t>
             </a:r>
             <a:endParaRPr lang="en-US" sz="1400" dirty="0"/>
           </a:p>
@@ -5793,7 +5793,7 @@
         </p:nvSpPr>
         <p:spPr>
           <a:xfrm>
-            <a:off x="3775975" y="6665918"/>
+            <a:off x="3349753" y="6608640"/>
             <a:ext cx="388248" cy="307777"/>
           </a:xfrm>
           <a:prstGeom prst="rect">
@@ -5826,15 +5826,12 @@
           <p:nvPr/>
         </p:nvCxnSpPr>
         <p:spPr>
-          <a:xfrm flipH="1" flipV="1">
-            <a:off x="3542287" y="5394457"/>
-            <a:ext cx="276812" cy="2105450"/>
-          </a:xfrm>
-          <a:prstGeom prst="curvedConnector4">
-            <a:avLst>
-              <a:gd name="adj1" fmla="val -220222"/>
-              <a:gd name="adj2" fmla="val 77146"/>
-            </a:avLst>
+          <a:xfrm flipV="1">
+            <a:off x="3819099" y="5947429"/>
+            <a:ext cx="342098" cy="1552478"/>
+          </a:xfrm>
+          <a:prstGeom prst="curvedConnector2">
+            <a:avLst/>
           </a:prstGeom>
           <a:ln>
             <a:solidFill>
@@ -5867,7 +5864,7 @@
         </p:nvSpPr>
         <p:spPr>
           <a:xfrm>
-            <a:off x="4379273" y="6983582"/>
+            <a:off x="4053389" y="6889258"/>
             <a:ext cx="388248" cy="307777"/>
           </a:xfrm>
           <a:prstGeom prst="rect">
@@ -5895,14 +5892,14 @@
           <p:cNvPr id="211" name="Curved Connector 210"/>
           <p:cNvCxnSpPr>
             <a:stCxn id="153" idx="4"/>
-            <a:endCxn id="197" idx="2"/>
+            <a:endCxn id="81" idx="2"/>
           </p:cNvCxnSpPr>
           <p:nvPr/>
         </p:nvCxnSpPr>
         <p:spPr>
           <a:xfrm rot="16200000" flipH="1">
-            <a:off x="2360122" y="4212292"/>
-            <a:ext cx="1290997" cy="890262"/>
+            <a:off x="2406134" y="4166280"/>
+            <a:ext cx="1087462" cy="778752"/>
           </a:xfrm>
           <a:prstGeom prst="curvedConnector2">
             <a:avLst/>
@@ -5938,7 +5935,7 @@
         </p:nvSpPr>
         <p:spPr>
           <a:xfrm>
-            <a:off x="4710799" y="4831260"/>
+            <a:off x="4747899" y="5014330"/>
             <a:ext cx="194513" cy="194513"/>
           </a:xfrm>
           <a:prstGeom prst="rect">
@@ -5985,7 +5982,7 @@
         </p:nvCxnSpPr>
         <p:spPr>
           <a:xfrm rot="16200000" flipH="1">
-            <a:off x="4311698" y="4529416"/>
+            <a:off x="4348798" y="4712486"/>
             <a:ext cx="211500" cy="586702"/>
           </a:xfrm>
           <a:prstGeom prst="curvedConnector2">
@@ -6024,7 +6021,7 @@
         </p:nvSpPr>
         <p:spPr>
           <a:xfrm>
-            <a:off x="4864171" y="4875083"/>
+            <a:off x="4901271" y="5058153"/>
             <a:ext cx="732573" cy="307777"/>
           </a:xfrm>
           <a:prstGeom prst="rect">
@@ -6062,8 +6059,8 @@
         </p:nvSpPr>
         <p:spPr>
           <a:xfrm>
-            <a:off x="2848994" y="3881650"/>
-            <a:ext cx="907621" cy="307777"/>
+            <a:off x="2949181" y="3881650"/>
+            <a:ext cx="707245" cy="307777"/>
           </a:xfrm>
           <a:prstGeom prst="rect">
             <a:avLst/>
@@ -6079,15 +6076,11 @@
             <a:pPr algn="ctr"/>
             <a:r>
               <a:rPr lang="en-US" sz="1400" dirty="0" smtClean="0"/>
-              <a:t>$($</a:t>
+              <a:t>$</a:t>
             </a:r>
             <a:r>
               <a:rPr lang="en-US" sz="1400" dirty="0" err="1" smtClean="0"/>
               <a:t>oauth</a:t>
-            </a:r>
-            <a:r>
-              <a:rPr lang="en-US" sz="1400" dirty="0" smtClean="0"/>
-              <a:t>)</a:t>
             </a:r>
             <a:endParaRPr lang="en-US" sz="1400" dirty="0"/>
           </a:p>
@@ -6190,8 +6183,8 @@
         </p:nvCxnSpPr>
         <p:spPr>
           <a:xfrm rot="16200000" flipH="1">
-            <a:off x="3653554" y="4246475"/>
-            <a:ext cx="260856" cy="497157"/>
+            <a:off x="3580569" y="4319460"/>
+            <a:ext cx="443926" cy="534257"/>
           </a:xfrm>
           <a:prstGeom prst="curvedConnector2">
             <a:avLst/>
@@ -6227,7 +6220,7 @@
         </p:nvSpPr>
         <p:spPr>
           <a:xfrm>
-            <a:off x="4032561" y="4533946"/>
+            <a:off x="4069661" y="4717016"/>
             <a:ext cx="183071" cy="183071"/>
           </a:xfrm>
           <a:prstGeom prst="ellipse">
@@ -6273,7 +6266,7 @@
         </p:nvSpPr>
         <p:spPr>
           <a:xfrm>
-            <a:off x="3691340" y="4189661"/>
+            <a:off x="3691340" y="4343549"/>
             <a:ext cx="948208" cy="307777"/>
           </a:xfrm>
           <a:prstGeom prst="rect">
@@ -6303,7 +6296,7 @@
         </p:nvSpPr>
         <p:spPr>
           <a:xfrm>
-            <a:off x="4328709" y="4590417"/>
+            <a:off x="4365809" y="4773487"/>
             <a:ext cx="243138" cy="307777"/>
           </a:xfrm>
           <a:prstGeom prst="rect">
@@ -6472,7 +6465,7 @@
         </p:nvSpPr>
         <p:spPr>
           <a:xfrm>
-            <a:off x="4331666" y="5583792"/>
+            <a:off x="4614149" y="6392816"/>
             <a:ext cx="194513" cy="194513"/>
           </a:xfrm>
           <a:prstGeom prst="rect">
@@ -6519,8 +6512,8 @@
         </p:nvCxnSpPr>
         <p:spPr>
           <a:xfrm rot="16200000" flipH="1">
-            <a:off x="3793680" y="5143063"/>
-            <a:ext cx="286592" cy="789379"/>
+            <a:off x="4116351" y="5992275"/>
+            <a:ext cx="542644" cy="452952"/>
           </a:xfrm>
           <a:prstGeom prst="curvedConnector2">
             <a:avLst/>
@@ -6558,7 +6551,7 @@
         </p:nvSpPr>
         <p:spPr>
           <a:xfrm>
-            <a:off x="4485038" y="5505695"/>
+            <a:off x="4767521" y="6314719"/>
             <a:ext cx="882870" cy="307777"/>
           </a:xfrm>
           <a:prstGeom prst="rect">
@@ -6778,7 +6771,7 @@
         </p:nvSpPr>
         <p:spPr>
           <a:xfrm>
-            <a:off x="3860591" y="5319980"/>
+            <a:off x="4266104" y="6098478"/>
             <a:ext cx="243138" cy="307777"/>
           </a:xfrm>
           <a:prstGeom prst="rect">
@@ -6890,6 +6883,123 @@
             <a:r>
               <a:rPr lang="en-US" sz="1400" dirty="0" smtClean="0"/>
               <a:t>!</a:t>
+            </a:r>
+            <a:endParaRPr lang="en-US" sz="1400" dirty="0"/>
+          </a:p>
+        </p:txBody>
+      </p:sp>
+      <p:sp>
+        <p:nvSpPr>
+          <p:cNvPr id="81" name="Oval 80"/>
+          <p:cNvSpPr/>
+          <p:nvPr/>
+        </p:nvSpPr>
+        <p:spPr>
+          <a:xfrm>
+            <a:off x="3339241" y="5007851"/>
+            <a:ext cx="183071" cy="183071"/>
+          </a:xfrm>
+          <a:prstGeom prst="ellipse">
+            <a:avLst/>
+          </a:prstGeom>
+          <a:solidFill>
+            <a:srgbClr val="000000"/>
+          </a:solidFill>
+          <a:ln>
+            <a:solidFill>
+              <a:schemeClr val="tx1"/>
+            </a:solidFill>
+          </a:ln>
+        </p:spPr>
+        <p:style>
+          <a:lnRef idx="1">
+            <a:schemeClr val="accent1"/>
+          </a:lnRef>
+          <a:fillRef idx="3">
+            <a:schemeClr val="accent1"/>
+          </a:fillRef>
+          <a:effectRef idx="2">
+            <a:schemeClr val="accent1"/>
+          </a:effectRef>
+          <a:fontRef idx="minor">
+            <a:schemeClr val="lt1"/>
+          </a:fontRef>
+        </p:style>
+        <p:txBody>
+          <a:bodyPr rtlCol="0" anchor="ctr"/>
+          <a:lstStyle/>
+          <a:p>
+            <a:pPr algn="ctr"/>
+            <a:endParaRPr lang="en-US" sz="1400"/>
+          </a:p>
+        </p:txBody>
+      </p:sp>
+      <p:cxnSp>
+        <p:nvCxnSpPr>
+          <p:cNvPr id="91" name="Curved Connector 90"/>
+          <p:cNvCxnSpPr>
+            <a:stCxn id="81" idx="4"/>
+            <a:endCxn id="197" idx="2"/>
+          </p:cNvCxnSpPr>
+          <p:nvPr/>
+        </p:nvCxnSpPr>
+        <p:spPr>
+          <a:xfrm rot="16200000" flipH="1">
+            <a:off x="3417733" y="5203966"/>
+            <a:ext cx="664972" cy="638884"/>
+          </a:xfrm>
+          <a:prstGeom prst="curvedConnector2">
+            <a:avLst/>
+          </a:prstGeom>
+          <a:ln>
+            <a:solidFill>
+              <a:schemeClr val="tx1"/>
+            </a:solidFill>
+            <a:prstDash val="solid"/>
+            <a:tailEnd type="arrow"/>
+          </a:ln>
+        </p:spPr>
+        <p:style>
+          <a:lnRef idx="2">
+            <a:schemeClr val="accent1"/>
+          </a:lnRef>
+          <a:fillRef idx="0">
+            <a:schemeClr val="accent1"/>
+          </a:fillRef>
+          <a:effectRef idx="1">
+            <a:schemeClr val="accent1"/>
+          </a:effectRef>
+          <a:fontRef idx="minor">
+            <a:schemeClr val="tx1"/>
+          </a:fontRef>
+        </p:style>
+      </p:cxnSp>
+      <p:sp>
+        <p:nvSpPr>
+          <p:cNvPr id="92" name="TextBox 91"/>
+          <p:cNvSpPr txBox="1"/>
+          <p:nvPr/>
+        </p:nvSpPr>
+        <p:spPr>
+          <a:xfrm>
+            <a:off x="2870534" y="4563128"/>
+            <a:ext cx="591829" cy="307777"/>
+          </a:xfrm>
+          <a:prstGeom prst="rect">
+            <a:avLst/>
+          </a:prstGeom>
+          <a:noFill/>
+        </p:spPr>
+        <p:txBody>
+          <a:bodyPr wrap="none" rtlCol="0">
+            <a:spAutoFit/>
+          </a:bodyPr>
+          <a:lstStyle/>
+          <a:p>
+            <a:pPr algn="ctr"/>
+            <a:r>
+              <a:rPr lang="en-US" sz="1400" dirty="0" smtClean="0"/>
+              <a:t>+user</a:t>
             </a:r>
             <a:endParaRPr lang="en-US" sz="1400" dirty="0"/>
           </a:p>
